--- a/Slide tcc.pptx
+++ b/Slide tcc.pptx
@@ -10511,7 +10511,7 @@
             <a:fld id="{B61BEF0D-F0BB-DE4B-95CE-6DB70DBA9567}" type="datetimeFigureOut">
               <a:rPr lang="en-US" dirty="0"/>
               <a:pPr/>
-              <a:t>12/7/2022</a:t>
+              <a:t>12/8/2022</a:t>
             </a:fld>
             <a:endParaRPr lang="en-US" dirty="0"/>
           </a:p>
@@ -10759,7 +10759,7 @@
             <a:fld id="{B61BEF0D-F0BB-DE4B-95CE-6DB70DBA9567}" type="datetimeFigureOut">
               <a:rPr lang="en-US" dirty="0"/>
               <a:pPr/>
-              <a:t>12/7/2022</a:t>
+              <a:t>12/8/2022</a:t>
             </a:fld>
             <a:endParaRPr lang="en-US" dirty="0"/>
           </a:p>
@@ -11070,7 +11070,7 @@
             <a:fld id="{B61BEF0D-F0BB-DE4B-95CE-6DB70DBA9567}" type="datetimeFigureOut">
               <a:rPr lang="en-US" dirty="0"/>
               <a:pPr/>
-              <a:t>12/7/2022</a:t>
+              <a:t>12/8/2022</a:t>
             </a:fld>
             <a:endParaRPr lang="en-US" dirty="0"/>
           </a:p>
@@ -11400,7 +11400,7 @@
             <a:fld id="{B61BEF0D-F0BB-DE4B-95CE-6DB70DBA9567}" type="datetimeFigureOut">
               <a:rPr lang="en-US" dirty="0"/>
               <a:pPr/>
-              <a:t>12/7/2022</a:t>
+              <a:t>12/8/2022</a:t>
             </a:fld>
             <a:endParaRPr lang="en-US" dirty="0"/>
           </a:p>
@@ -11711,7 +11711,7 @@
             <a:fld id="{B61BEF0D-F0BB-DE4B-95CE-6DB70DBA9567}" type="datetimeFigureOut">
               <a:rPr lang="en-US" dirty="0"/>
               <a:pPr/>
-              <a:t>12/7/2022</a:t>
+              <a:t>12/8/2022</a:t>
             </a:fld>
             <a:endParaRPr lang="en-US" dirty="0"/>
           </a:p>
@@ -12101,7 +12101,7 @@
             <a:fld id="{B61BEF0D-F0BB-DE4B-95CE-6DB70DBA9567}" type="datetimeFigureOut">
               <a:rPr lang="en-US" dirty="0"/>
               <a:pPr/>
-              <a:t>12/7/2022</a:t>
+              <a:t>12/8/2022</a:t>
             </a:fld>
             <a:endParaRPr lang="en-US" dirty="0"/>
           </a:p>
@@ -12267,7 +12267,7 @@
           <a:p>
             <a:fld id="{55C6B4A9-1611-4792-9094-5F34BCA07E0B}" type="datetimeFigureOut">
               <a:rPr lang="en-US" dirty="0"/>
-              <a:t>12/7/2022</a:t>
+              <a:t>12/8/2022</a:t>
             </a:fld>
             <a:endParaRPr lang="en-US" dirty="0"/>
           </a:p>
@@ -12443,7 +12443,7 @@
             <a:fld id="{B61BEF0D-F0BB-DE4B-95CE-6DB70DBA9567}" type="datetimeFigureOut">
               <a:rPr lang="en-US" dirty="0"/>
               <a:pPr/>
-              <a:t>12/7/2022</a:t>
+              <a:t>12/8/2022</a:t>
             </a:fld>
             <a:endParaRPr lang="en-US" dirty="0"/>
           </a:p>
@@ -12609,7 +12609,7 @@
           <a:p>
             <a:fld id="{42A54C80-263E-416B-A8E0-580EDEADCBDC}" type="datetimeFigureOut">
               <a:rPr lang="en-US" dirty="0"/>
-              <a:t>12/7/2022</a:t>
+              <a:t>12/8/2022</a:t>
             </a:fld>
             <a:endParaRPr lang="en-US" dirty="0"/>
           </a:p>
@@ -12852,7 +12852,7 @@
             <a:fld id="{B61BEF0D-F0BB-DE4B-95CE-6DB70DBA9567}" type="datetimeFigureOut">
               <a:rPr lang="en-US" dirty="0"/>
               <a:pPr/>
-              <a:t>12/7/2022</a:t>
+              <a:t>12/8/2022</a:t>
             </a:fld>
             <a:endParaRPr lang="en-US" dirty="0"/>
           </a:p>
@@ -13080,7 +13080,7 @@
           <a:p>
             <a:fld id="{42A54C80-263E-416B-A8E0-580EDEADCBDC}" type="datetimeFigureOut">
               <a:rPr lang="en-US" dirty="0"/>
-              <a:t>12/7/2022</a:t>
+              <a:t>12/8/2022</a:t>
             </a:fld>
             <a:endParaRPr lang="en-US" dirty="0"/>
           </a:p>
@@ -13450,7 +13450,7 @@
             <a:fld id="{B61BEF0D-F0BB-DE4B-95CE-6DB70DBA9567}" type="datetimeFigureOut">
               <a:rPr lang="en-US" dirty="0"/>
               <a:pPr/>
-              <a:t>12/7/2022</a:t>
+              <a:t>12/8/2022</a:t>
             </a:fld>
             <a:endParaRPr lang="en-US" dirty="0"/>
           </a:p>
@@ -13570,7 +13570,7 @@
             <a:fld id="{B61BEF0D-F0BB-DE4B-95CE-6DB70DBA9567}" type="datetimeFigureOut">
               <a:rPr lang="en-US" dirty="0"/>
               <a:pPr/>
-              <a:t>12/7/2022</a:t>
+              <a:t>12/8/2022</a:t>
             </a:fld>
             <a:endParaRPr lang="en-US" dirty="0"/>
           </a:p>
@@ -13662,7 +13662,7 @@
             <a:fld id="{B61BEF0D-F0BB-DE4B-95CE-6DB70DBA9567}" type="datetimeFigureOut">
               <a:rPr lang="en-US" dirty="0"/>
               <a:pPr/>
-              <a:t>12/7/2022</a:t>
+              <a:t>12/8/2022</a:t>
             </a:fld>
             <a:endParaRPr lang="en-US" dirty="0"/>
           </a:p>
@@ -13913,7 +13913,7 @@
           <a:p>
             <a:fld id="{42A54C80-263E-416B-A8E0-580EDEADCBDC}" type="datetimeFigureOut">
               <a:rPr lang="en-US" dirty="0"/>
-              <a:t>12/7/2022</a:t>
+              <a:t>12/8/2022</a:t>
             </a:fld>
             <a:endParaRPr lang="en-US" dirty="0"/>
           </a:p>
@@ -14215,7 +14215,7 @@
             <a:fld id="{B61BEF0D-F0BB-DE4B-95CE-6DB70DBA9567}" type="datetimeFigureOut">
               <a:rPr lang="en-US" dirty="0"/>
               <a:pPr/>
-              <a:t>12/7/2022</a:t>
+              <a:t>12/8/2022</a:t>
             </a:fld>
             <a:endParaRPr lang="en-US" dirty="0"/>
           </a:p>
@@ -14913,7 +14913,7 @@
             <a:fld id="{B61BEF0D-F0BB-DE4B-95CE-6DB70DBA9567}" type="datetimeFigureOut">
               <a:rPr lang="en-US" dirty="0"/>
               <a:pPr/>
-              <a:t>12/7/2022</a:t>
+              <a:t>12/8/2022</a:t>
             </a:fld>
             <a:endParaRPr lang="en-US" dirty="0"/>
           </a:p>
@@ -18603,12 +18603,26 @@
         </p:nvSpPr>
         <p:spPr/>
         <p:txBody>
-          <a:bodyPr/>
+          <a:bodyPr>
+            <a:normAutofit/>
+          </a:bodyPr>
           <a:lstStyle/>
           <a:p>
             <a:r>
               <a:rPr lang="pt-BR" dirty="0"/>
               <a:t>Introdução</a:t>
+            </a:r>
+          </a:p>
+          <a:p>
+            <a:r>
+              <a:rPr lang="pt-BR" dirty="0"/>
+              <a:t>Definição do Problema</a:t>
+            </a:r>
+          </a:p>
+          <a:p>
+            <a:r>
+              <a:rPr lang="pt-BR" dirty="0"/>
+              <a:t>Justificativa</a:t>
             </a:r>
           </a:p>
           <a:p>
@@ -18621,18 +18635,6 @@
             <a:r>
               <a:rPr lang="pt-BR" dirty="0"/>
               <a:t>Objetivos Específicos </a:t>
-            </a:r>
-          </a:p>
-          <a:p>
-            <a:r>
-              <a:rPr lang="pt-BR" dirty="0"/>
-              <a:t>Definição do Problema</a:t>
-            </a:r>
-          </a:p>
-          <a:p>
-            <a:r>
-              <a:rPr lang="pt-BR" dirty="0"/>
-              <a:t>Justificativa</a:t>
             </a:r>
           </a:p>
           <a:p>

--- a/Slide tcc.pptx
+++ b/Slide tcc.pptx
@@ -131,886 +131,6 @@
     <p1510:client id="{2806A8FA-A3C9-4757-A3D0-714BA6F1F6BC}" v="4" dt="2022-12-07T00:52:56.007"/>
   </p1510:revLst>
 </p1510:revInfo>
-</file>
-
-<file path=ppt/changesInfos/changesInfo1.xml><?xml version="1.0" encoding="utf-8"?>
-<pc:chgInfo xmlns:a="http://schemas.openxmlformats.org/drawingml/2006/main" xmlns:r="http://schemas.openxmlformats.org/officeDocument/2006/relationships" xmlns:ac="http://schemas.microsoft.com/office/drawing/2013/main/command" xmlns:pc="http://schemas.microsoft.com/office/powerpoint/2013/main/command">
-  <pc:docChgLst>
-    <pc:chgData name="Pedro Citadin Coelho" userId="281214e4494bdff3" providerId="LiveId" clId="{2806A8FA-A3C9-4757-A3D0-714BA6F1F6BC}"/>
-    <pc:docChg chg="undo custSel addSld delSld modSld sldOrd">
-      <pc:chgData name="Pedro Citadin Coelho" userId="281214e4494bdff3" providerId="LiveId" clId="{2806A8FA-A3C9-4757-A3D0-714BA6F1F6BC}" dt="2022-12-07T13:19:21.294" v="27" actId="2696"/>
-      <pc:docMkLst>
-        <pc:docMk/>
-      </pc:docMkLst>
-      <pc:sldChg chg="addSp modSp">
-        <pc:chgData name="Pedro Citadin Coelho" userId="281214e4494bdff3" providerId="LiveId" clId="{2806A8FA-A3C9-4757-A3D0-714BA6F1F6BC}" dt="2022-12-07T00:52:56.005" v="3" actId="14100"/>
-        <pc:sldMkLst>
-          <pc:docMk/>
-          <pc:sldMk cId="200696720" sldId="256"/>
-        </pc:sldMkLst>
-        <pc:picChg chg="add mod">
-          <ac:chgData name="Pedro Citadin Coelho" userId="281214e4494bdff3" providerId="LiveId" clId="{2806A8FA-A3C9-4757-A3D0-714BA6F1F6BC}" dt="2022-12-07T00:52:56.005" v="3" actId="14100"/>
-          <ac:picMkLst>
-            <pc:docMk/>
-            <pc:sldMk cId="200696720" sldId="256"/>
-            <ac:picMk id="1026" creationId="{00B7D9CE-AFB1-976B-C2AF-F61C0CC46853}"/>
-          </ac:picMkLst>
-        </pc:picChg>
-      </pc:sldChg>
-      <pc:sldChg chg="addSp delSp modSp mod setBg">
-        <pc:chgData name="Pedro Citadin Coelho" userId="281214e4494bdff3" providerId="LiveId" clId="{2806A8FA-A3C9-4757-A3D0-714BA6F1F6BC}" dt="2022-12-07T00:53:54.349" v="6" actId="26606"/>
-        <pc:sldMkLst>
-          <pc:docMk/>
-          <pc:sldMk cId="719347504" sldId="258"/>
-        </pc:sldMkLst>
-        <pc:spChg chg="mod">
-          <ac:chgData name="Pedro Citadin Coelho" userId="281214e4494bdff3" providerId="LiveId" clId="{2806A8FA-A3C9-4757-A3D0-714BA6F1F6BC}" dt="2022-12-07T00:53:54.349" v="6" actId="26606"/>
-          <ac:spMkLst>
-            <pc:docMk/>
-            <pc:sldMk cId="719347504" sldId="258"/>
-            <ac:spMk id="2" creationId="{A8DFA1A7-6CFD-0302-41E1-5673483C77E9}"/>
-          </ac:spMkLst>
-        </pc:spChg>
-        <pc:spChg chg="mod">
-          <ac:chgData name="Pedro Citadin Coelho" userId="281214e4494bdff3" providerId="LiveId" clId="{2806A8FA-A3C9-4757-A3D0-714BA6F1F6BC}" dt="2022-12-07T00:53:54.349" v="6" actId="26606"/>
-          <ac:spMkLst>
-            <pc:docMk/>
-            <pc:sldMk cId="719347504" sldId="258"/>
-            <ac:spMk id="3" creationId="{EB142611-D7D8-2D94-BB32-DB3CA977DA30}"/>
-          </ac:spMkLst>
-        </pc:spChg>
-        <pc:spChg chg="add del">
-          <ac:chgData name="Pedro Citadin Coelho" userId="281214e4494bdff3" providerId="LiveId" clId="{2806A8FA-A3C9-4757-A3D0-714BA6F1F6BC}" dt="2022-12-07T00:53:54.337" v="5" actId="26606"/>
-          <ac:spMkLst>
-            <pc:docMk/>
-            <pc:sldMk cId="719347504" sldId="258"/>
-            <ac:spMk id="9" creationId="{3BCB5F6A-9EB0-40B0-9D13-3023E9A20508}"/>
-          </ac:spMkLst>
-        </pc:spChg>
-        <pc:spChg chg="add">
-          <ac:chgData name="Pedro Citadin Coelho" userId="281214e4494bdff3" providerId="LiveId" clId="{2806A8FA-A3C9-4757-A3D0-714BA6F1F6BC}" dt="2022-12-07T00:53:54.349" v="6" actId="26606"/>
-          <ac:spMkLst>
-            <pc:docMk/>
-            <pc:sldMk cId="719347504" sldId="258"/>
-            <ac:spMk id="13" creationId="{3F088236-D655-4F88-B238-E16762358025}"/>
-          </ac:spMkLst>
-        </pc:spChg>
-        <pc:spChg chg="add">
-          <ac:chgData name="Pedro Citadin Coelho" userId="281214e4494bdff3" providerId="LiveId" clId="{2806A8FA-A3C9-4757-A3D0-714BA6F1F6BC}" dt="2022-12-07T00:53:54.349" v="6" actId="26606"/>
-          <ac:spMkLst>
-            <pc:docMk/>
-            <pc:sldMk cId="719347504" sldId="258"/>
-            <ac:spMk id="15" creationId="{3DAC0C92-199E-475C-9390-119A9B027276}"/>
-          </ac:spMkLst>
-        </pc:spChg>
-        <pc:spChg chg="add">
-          <ac:chgData name="Pedro Citadin Coelho" userId="281214e4494bdff3" providerId="LiveId" clId="{2806A8FA-A3C9-4757-A3D0-714BA6F1F6BC}" dt="2022-12-07T00:53:54.349" v="6" actId="26606"/>
-          <ac:spMkLst>
-            <pc:docMk/>
-            <pc:sldMk cId="719347504" sldId="258"/>
-            <ac:spMk id="17" creationId="{C4CFB339-0ED8-4FE2-9EF1-6D1375B8499B}"/>
-          </ac:spMkLst>
-        </pc:spChg>
-        <pc:spChg chg="add">
-          <ac:chgData name="Pedro Citadin Coelho" userId="281214e4494bdff3" providerId="LiveId" clId="{2806A8FA-A3C9-4757-A3D0-714BA6F1F6BC}" dt="2022-12-07T00:53:54.349" v="6" actId="26606"/>
-          <ac:spMkLst>
-            <pc:docMk/>
-            <pc:sldMk cId="719347504" sldId="258"/>
-            <ac:spMk id="19" creationId="{31896C80-2069-4431-9C19-83B913734490}"/>
-          </ac:spMkLst>
-        </pc:spChg>
-        <pc:spChg chg="add">
-          <ac:chgData name="Pedro Citadin Coelho" userId="281214e4494bdff3" providerId="LiveId" clId="{2806A8FA-A3C9-4757-A3D0-714BA6F1F6BC}" dt="2022-12-07T00:53:54.349" v="6" actId="26606"/>
-          <ac:spMkLst>
-            <pc:docMk/>
-            <pc:sldMk cId="719347504" sldId="258"/>
-            <ac:spMk id="21" creationId="{BF120A21-0841-4823-B0C4-28AEBCEF9B78}"/>
-          </ac:spMkLst>
-        </pc:spChg>
-        <pc:spChg chg="add">
-          <ac:chgData name="Pedro Citadin Coelho" userId="281214e4494bdff3" providerId="LiveId" clId="{2806A8FA-A3C9-4757-A3D0-714BA6F1F6BC}" dt="2022-12-07T00:53:54.349" v="6" actId="26606"/>
-          <ac:spMkLst>
-            <pc:docMk/>
-            <pc:sldMk cId="719347504" sldId="258"/>
-            <ac:spMk id="23" creationId="{DBB05BAE-BBD3-4289-899F-A6851503C6B0}"/>
-          </ac:spMkLst>
-        </pc:spChg>
-        <pc:spChg chg="add">
-          <ac:chgData name="Pedro Citadin Coelho" userId="281214e4494bdff3" providerId="LiveId" clId="{2806A8FA-A3C9-4757-A3D0-714BA6F1F6BC}" dt="2022-12-07T00:53:54.349" v="6" actId="26606"/>
-          <ac:spMkLst>
-            <pc:docMk/>
-            <pc:sldMk cId="719347504" sldId="258"/>
-            <ac:spMk id="25" creationId="{9874D11C-36F5-4BBE-A490-019A54E953B0}"/>
-          </ac:spMkLst>
-        </pc:spChg>
-        <pc:picChg chg="add del">
-          <ac:chgData name="Pedro Citadin Coelho" userId="281214e4494bdff3" providerId="LiveId" clId="{2806A8FA-A3C9-4757-A3D0-714BA6F1F6BC}" dt="2022-12-07T00:53:54.337" v="5" actId="26606"/>
-          <ac:picMkLst>
-            <pc:docMk/>
-            <pc:sldMk cId="719347504" sldId="258"/>
-            <ac:picMk id="5" creationId="{67DD88DE-0E3B-2F60-0802-75C1ED9CC65E}"/>
-          </ac:picMkLst>
-        </pc:picChg>
-        <pc:picChg chg="add">
-          <ac:chgData name="Pedro Citadin Coelho" userId="281214e4494bdff3" providerId="LiveId" clId="{2806A8FA-A3C9-4757-A3D0-714BA6F1F6BC}" dt="2022-12-07T00:53:54.349" v="6" actId="26606"/>
-          <ac:picMkLst>
-            <pc:docMk/>
-            <pc:sldMk cId="719347504" sldId="258"/>
-            <ac:picMk id="12" creationId="{FE11433F-E521-739B-700B-895740FDF24A}"/>
-          </ac:picMkLst>
-        </pc:picChg>
-        <pc:cxnChg chg="add">
-          <ac:chgData name="Pedro Citadin Coelho" userId="281214e4494bdff3" providerId="LiveId" clId="{2806A8FA-A3C9-4757-A3D0-714BA6F1F6BC}" dt="2022-12-07T00:53:54.349" v="6" actId="26606"/>
-          <ac:cxnSpMkLst>
-            <pc:docMk/>
-            <pc:sldMk cId="719347504" sldId="258"/>
-            <ac:cxnSpMk id="11" creationId="{2AFD8CBA-54A3-4363-991B-B9C631BBFA74}"/>
-          </ac:cxnSpMkLst>
-        </pc:cxnChg>
-        <pc:cxnChg chg="add">
-          <ac:chgData name="Pedro Citadin Coelho" userId="281214e4494bdff3" providerId="LiveId" clId="{2806A8FA-A3C9-4757-A3D0-714BA6F1F6BC}" dt="2022-12-07T00:53:54.349" v="6" actId="26606"/>
-          <ac:cxnSpMkLst>
-            <pc:docMk/>
-            <pc:sldMk cId="719347504" sldId="258"/>
-            <ac:cxnSpMk id="14" creationId="{64FA5DFF-7FE6-4855-84E6-DFA78EE978BD}"/>
-          </ac:cxnSpMkLst>
-        </pc:cxnChg>
-      </pc:sldChg>
-      <pc:sldChg chg="addSp modSp mod setBg">
-        <pc:chgData name="Pedro Citadin Coelho" userId="281214e4494bdff3" providerId="LiveId" clId="{2806A8FA-A3C9-4757-A3D0-714BA6F1F6BC}" dt="2022-12-07T00:54:08.264" v="7" actId="26606"/>
-        <pc:sldMkLst>
-          <pc:docMk/>
-          <pc:sldMk cId="1509508987" sldId="261"/>
-        </pc:sldMkLst>
-        <pc:spChg chg="mod">
-          <ac:chgData name="Pedro Citadin Coelho" userId="281214e4494bdff3" providerId="LiveId" clId="{2806A8FA-A3C9-4757-A3D0-714BA6F1F6BC}" dt="2022-12-07T00:54:08.264" v="7" actId="26606"/>
-          <ac:spMkLst>
-            <pc:docMk/>
-            <pc:sldMk cId="1509508987" sldId="261"/>
-            <ac:spMk id="2" creationId="{D32FAF8B-B136-3E6D-B001-0F26AD473341}"/>
-          </ac:spMkLst>
-        </pc:spChg>
-        <pc:spChg chg="mod">
-          <ac:chgData name="Pedro Citadin Coelho" userId="281214e4494bdff3" providerId="LiveId" clId="{2806A8FA-A3C9-4757-A3D0-714BA6F1F6BC}" dt="2022-12-07T00:54:08.264" v="7" actId="26606"/>
-          <ac:spMkLst>
-            <pc:docMk/>
-            <pc:sldMk cId="1509508987" sldId="261"/>
-            <ac:spMk id="3" creationId="{AA031D0F-C321-F33A-DF49-53312C9B256F}"/>
-          </ac:spMkLst>
-        </pc:spChg>
-        <pc:spChg chg="add">
-          <ac:chgData name="Pedro Citadin Coelho" userId="281214e4494bdff3" providerId="LiveId" clId="{2806A8FA-A3C9-4757-A3D0-714BA6F1F6BC}" dt="2022-12-07T00:54:08.264" v="7" actId="26606"/>
-          <ac:spMkLst>
-            <pc:docMk/>
-            <pc:sldMk cId="1509508987" sldId="261"/>
-            <ac:spMk id="13" creationId="{3F088236-D655-4F88-B238-E16762358025}"/>
-          </ac:spMkLst>
-        </pc:spChg>
-        <pc:spChg chg="add">
-          <ac:chgData name="Pedro Citadin Coelho" userId="281214e4494bdff3" providerId="LiveId" clId="{2806A8FA-A3C9-4757-A3D0-714BA6F1F6BC}" dt="2022-12-07T00:54:08.264" v="7" actId="26606"/>
-          <ac:spMkLst>
-            <pc:docMk/>
-            <pc:sldMk cId="1509508987" sldId="261"/>
-            <ac:spMk id="15" creationId="{3DAC0C92-199E-475C-9390-119A9B027276}"/>
-          </ac:spMkLst>
-        </pc:spChg>
-        <pc:spChg chg="add">
-          <ac:chgData name="Pedro Citadin Coelho" userId="281214e4494bdff3" providerId="LiveId" clId="{2806A8FA-A3C9-4757-A3D0-714BA6F1F6BC}" dt="2022-12-07T00:54:08.264" v="7" actId="26606"/>
-          <ac:spMkLst>
-            <pc:docMk/>
-            <pc:sldMk cId="1509508987" sldId="261"/>
-            <ac:spMk id="17" creationId="{C4CFB339-0ED8-4FE2-9EF1-6D1375B8499B}"/>
-          </ac:spMkLst>
-        </pc:spChg>
-        <pc:spChg chg="add">
-          <ac:chgData name="Pedro Citadin Coelho" userId="281214e4494bdff3" providerId="LiveId" clId="{2806A8FA-A3C9-4757-A3D0-714BA6F1F6BC}" dt="2022-12-07T00:54:08.264" v="7" actId="26606"/>
-          <ac:spMkLst>
-            <pc:docMk/>
-            <pc:sldMk cId="1509508987" sldId="261"/>
-            <ac:spMk id="19" creationId="{31896C80-2069-4431-9C19-83B913734490}"/>
-          </ac:spMkLst>
-        </pc:spChg>
-        <pc:spChg chg="add">
-          <ac:chgData name="Pedro Citadin Coelho" userId="281214e4494bdff3" providerId="LiveId" clId="{2806A8FA-A3C9-4757-A3D0-714BA6F1F6BC}" dt="2022-12-07T00:54:08.264" v="7" actId="26606"/>
-          <ac:spMkLst>
-            <pc:docMk/>
-            <pc:sldMk cId="1509508987" sldId="261"/>
-            <ac:spMk id="21" creationId="{BF120A21-0841-4823-B0C4-28AEBCEF9B78}"/>
-          </ac:spMkLst>
-        </pc:spChg>
-        <pc:spChg chg="add">
-          <ac:chgData name="Pedro Citadin Coelho" userId="281214e4494bdff3" providerId="LiveId" clId="{2806A8FA-A3C9-4757-A3D0-714BA6F1F6BC}" dt="2022-12-07T00:54:08.264" v="7" actId="26606"/>
-          <ac:spMkLst>
-            <pc:docMk/>
-            <pc:sldMk cId="1509508987" sldId="261"/>
-            <ac:spMk id="23" creationId="{DBB05BAE-BBD3-4289-899F-A6851503C6B0}"/>
-          </ac:spMkLst>
-        </pc:spChg>
-        <pc:spChg chg="add">
-          <ac:chgData name="Pedro Citadin Coelho" userId="281214e4494bdff3" providerId="LiveId" clId="{2806A8FA-A3C9-4757-A3D0-714BA6F1F6BC}" dt="2022-12-07T00:54:08.264" v="7" actId="26606"/>
-          <ac:spMkLst>
-            <pc:docMk/>
-            <pc:sldMk cId="1509508987" sldId="261"/>
-            <ac:spMk id="25" creationId="{9874D11C-36F5-4BBE-A490-019A54E953B0}"/>
-          </ac:spMkLst>
-        </pc:spChg>
-        <pc:picChg chg="add">
-          <ac:chgData name="Pedro Citadin Coelho" userId="281214e4494bdff3" providerId="LiveId" clId="{2806A8FA-A3C9-4757-A3D0-714BA6F1F6BC}" dt="2022-12-07T00:54:08.264" v="7" actId="26606"/>
-          <ac:picMkLst>
-            <pc:docMk/>
-            <pc:sldMk cId="1509508987" sldId="261"/>
-            <ac:picMk id="5" creationId="{D1681A92-2C50-62CD-7B70-8C4ED4F3E150}"/>
-          </ac:picMkLst>
-        </pc:picChg>
-        <pc:cxnChg chg="add">
-          <ac:chgData name="Pedro Citadin Coelho" userId="281214e4494bdff3" providerId="LiveId" clId="{2806A8FA-A3C9-4757-A3D0-714BA6F1F6BC}" dt="2022-12-07T00:54:08.264" v="7" actId="26606"/>
-          <ac:cxnSpMkLst>
-            <pc:docMk/>
-            <pc:sldMk cId="1509508987" sldId="261"/>
-            <ac:cxnSpMk id="9" creationId="{64FA5DFF-7FE6-4855-84E6-DFA78EE978BD}"/>
-          </ac:cxnSpMkLst>
-        </pc:cxnChg>
-        <pc:cxnChg chg="add">
-          <ac:chgData name="Pedro Citadin Coelho" userId="281214e4494bdff3" providerId="LiveId" clId="{2806A8FA-A3C9-4757-A3D0-714BA6F1F6BC}" dt="2022-12-07T00:54:08.264" v="7" actId="26606"/>
-          <ac:cxnSpMkLst>
-            <pc:docMk/>
-            <pc:sldMk cId="1509508987" sldId="261"/>
-            <ac:cxnSpMk id="11" creationId="{2AFD8CBA-54A3-4363-991B-B9C631BBFA74}"/>
-          </ac:cxnSpMkLst>
-        </pc:cxnChg>
-      </pc:sldChg>
-      <pc:sldChg chg="addSp delSp modSp mod setBg">
-        <pc:chgData name="Pedro Citadin Coelho" userId="281214e4494bdff3" providerId="LiveId" clId="{2806A8FA-A3C9-4757-A3D0-714BA6F1F6BC}" dt="2022-12-07T00:54:32.589" v="10" actId="26606"/>
-        <pc:sldMkLst>
-          <pc:docMk/>
-          <pc:sldMk cId="1232738983" sldId="262"/>
-        </pc:sldMkLst>
-        <pc:spChg chg="mod">
-          <ac:chgData name="Pedro Citadin Coelho" userId="281214e4494bdff3" providerId="LiveId" clId="{2806A8FA-A3C9-4757-A3D0-714BA6F1F6BC}" dt="2022-12-07T00:54:32.589" v="10" actId="26606"/>
-          <ac:spMkLst>
-            <pc:docMk/>
-            <pc:sldMk cId="1232738983" sldId="262"/>
-            <ac:spMk id="2" creationId="{244E9846-5168-8DCA-18E6-0F57E79B4788}"/>
-          </ac:spMkLst>
-        </pc:spChg>
-        <pc:spChg chg="mod">
-          <ac:chgData name="Pedro Citadin Coelho" userId="281214e4494bdff3" providerId="LiveId" clId="{2806A8FA-A3C9-4757-A3D0-714BA6F1F6BC}" dt="2022-12-07T00:54:32.589" v="10" actId="26606"/>
-          <ac:spMkLst>
-            <pc:docMk/>
-            <pc:sldMk cId="1232738983" sldId="262"/>
-            <ac:spMk id="3" creationId="{951C603C-F735-67D5-6E31-C99AEB71155E}"/>
-          </ac:spMkLst>
-        </pc:spChg>
-        <pc:spChg chg="add del">
-          <ac:chgData name="Pedro Citadin Coelho" userId="281214e4494bdff3" providerId="LiveId" clId="{2806A8FA-A3C9-4757-A3D0-714BA6F1F6BC}" dt="2022-12-07T00:54:32.576" v="9" actId="26606"/>
-          <ac:spMkLst>
-            <pc:docMk/>
-            <pc:sldMk cId="1232738983" sldId="262"/>
-            <ac:spMk id="13" creationId="{3F088236-D655-4F88-B238-E16762358025}"/>
-          </ac:spMkLst>
-        </pc:spChg>
-        <pc:spChg chg="add del">
-          <ac:chgData name="Pedro Citadin Coelho" userId="281214e4494bdff3" providerId="LiveId" clId="{2806A8FA-A3C9-4757-A3D0-714BA6F1F6BC}" dt="2022-12-07T00:54:32.576" v="9" actId="26606"/>
-          <ac:spMkLst>
-            <pc:docMk/>
-            <pc:sldMk cId="1232738983" sldId="262"/>
-            <ac:spMk id="15" creationId="{3DAC0C92-199E-475C-9390-119A9B027276}"/>
-          </ac:spMkLst>
-        </pc:spChg>
-        <pc:spChg chg="add del">
-          <ac:chgData name="Pedro Citadin Coelho" userId="281214e4494bdff3" providerId="LiveId" clId="{2806A8FA-A3C9-4757-A3D0-714BA6F1F6BC}" dt="2022-12-07T00:54:32.576" v="9" actId="26606"/>
-          <ac:spMkLst>
-            <pc:docMk/>
-            <pc:sldMk cId="1232738983" sldId="262"/>
-            <ac:spMk id="17" creationId="{C4CFB339-0ED8-4FE2-9EF1-6D1375B8499B}"/>
-          </ac:spMkLst>
-        </pc:spChg>
-        <pc:spChg chg="add del">
-          <ac:chgData name="Pedro Citadin Coelho" userId="281214e4494bdff3" providerId="LiveId" clId="{2806A8FA-A3C9-4757-A3D0-714BA6F1F6BC}" dt="2022-12-07T00:54:32.576" v="9" actId="26606"/>
-          <ac:spMkLst>
-            <pc:docMk/>
-            <pc:sldMk cId="1232738983" sldId="262"/>
-            <ac:spMk id="19" creationId="{31896C80-2069-4431-9C19-83B913734490}"/>
-          </ac:spMkLst>
-        </pc:spChg>
-        <pc:spChg chg="add del">
-          <ac:chgData name="Pedro Citadin Coelho" userId="281214e4494bdff3" providerId="LiveId" clId="{2806A8FA-A3C9-4757-A3D0-714BA6F1F6BC}" dt="2022-12-07T00:54:32.576" v="9" actId="26606"/>
-          <ac:spMkLst>
-            <pc:docMk/>
-            <pc:sldMk cId="1232738983" sldId="262"/>
-            <ac:spMk id="21" creationId="{BF120A21-0841-4823-B0C4-28AEBCEF9B78}"/>
-          </ac:spMkLst>
-        </pc:spChg>
-        <pc:spChg chg="add del">
-          <ac:chgData name="Pedro Citadin Coelho" userId="281214e4494bdff3" providerId="LiveId" clId="{2806A8FA-A3C9-4757-A3D0-714BA6F1F6BC}" dt="2022-12-07T00:54:32.576" v="9" actId="26606"/>
-          <ac:spMkLst>
-            <pc:docMk/>
-            <pc:sldMk cId="1232738983" sldId="262"/>
-            <ac:spMk id="23" creationId="{DBB05BAE-BBD3-4289-899F-A6851503C6B0}"/>
-          </ac:spMkLst>
-        </pc:spChg>
-        <pc:spChg chg="add del">
-          <ac:chgData name="Pedro Citadin Coelho" userId="281214e4494bdff3" providerId="LiveId" clId="{2806A8FA-A3C9-4757-A3D0-714BA6F1F6BC}" dt="2022-12-07T00:54:32.576" v="9" actId="26606"/>
-          <ac:spMkLst>
-            <pc:docMk/>
-            <pc:sldMk cId="1232738983" sldId="262"/>
-            <ac:spMk id="25" creationId="{9874D11C-36F5-4BBE-A490-019A54E953B0}"/>
-          </ac:spMkLst>
-        </pc:spChg>
-        <pc:spChg chg="add">
-          <ac:chgData name="Pedro Citadin Coelho" userId="281214e4494bdff3" providerId="LiveId" clId="{2806A8FA-A3C9-4757-A3D0-714BA6F1F6BC}" dt="2022-12-07T00:54:32.589" v="10" actId="26606"/>
-          <ac:spMkLst>
-            <pc:docMk/>
-            <pc:sldMk cId="1232738983" sldId="262"/>
-            <ac:spMk id="30" creationId="{3F088236-D655-4F88-B238-E16762358025}"/>
-          </ac:spMkLst>
-        </pc:spChg>
-        <pc:spChg chg="add">
-          <ac:chgData name="Pedro Citadin Coelho" userId="281214e4494bdff3" providerId="LiveId" clId="{2806A8FA-A3C9-4757-A3D0-714BA6F1F6BC}" dt="2022-12-07T00:54:32.589" v="10" actId="26606"/>
-          <ac:spMkLst>
-            <pc:docMk/>
-            <pc:sldMk cId="1232738983" sldId="262"/>
-            <ac:spMk id="31" creationId="{3DAC0C92-199E-475C-9390-119A9B027276}"/>
-          </ac:spMkLst>
-        </pc:spChg>
-        <pc:spChg chg="add">
-          <ac:chgData name="Pedro Citadin Coelho" userId="281214e4494bdff3" providerId="LiveId" clId="{2806A8FA-A3C9-4757-A3D0-714BA6F1F6BC}" dt="2022-12-07T00:54:32.589" v="10" actId="26606"/>
-          <ac:spMkLst>
-            <pc:docMk/>
-            <pc:sldMk cId="1232738983" sldId="262"/>
-            <ac:spMk id="32" creationId="{C4CFB339-0ED8-4FE2-9EF1-6D1375B8499B}"/>
-          </ac:spMkLst>
-        </pc:spChg>
-        <pc:spChg chg="add">
-          <ac:chgData name="Pedro Citadin Coelho" userId="281214e4494bdff3" providerId="LiveId" clId="{2806A8FA-A3C9-4757-A3D0-714BA6F1F6BC}" dt="2022-12-07T00:54:32.589" v="10" actId="26606"/>
-          <ac:spMkLst>
-            <pc:docMk/>
-            <pc:sldMk cId="1232738983" sldId="262"/>
-            <ac:spMk id="33" creationId="{31896C80-2069-4431-9C19-83B913734490}"/>
-          </ac:spMkLst>
-        </pc:spChg>
-        <pc:spChg chg="add">
-          <ac:chgData name="Pedro Citadin Coelho" userId="281214e4494bdff3" providerId="LiveId" clId="{2806A8FA-A3C9-4757-A3D0-714BA6F1F6BC}" dt="2022-12-07T00:54:32.589" v="10" actId="26606"/>
-          <ac:spMkLst>
-            <pc:docMk/>
-            <pc:sldMk cId="1232738983" sldId="262"/>
-            <ac:spMk id="34" creationId="{BF120A21-0841-4823-B0C4-28AEBCEF9B78}"/>
-          </ac:spMkLst>
-        </pc:spChg>
-        <pc:spChg chg="add">
-          <ac:chgData name="Pedro Citadin Coelho" userId="281214e4494bdff3" providerId="LiveId" clId="{2806A8FA-A3C9-4757-A3D0-714BA6F1F6BC}" dt="2022-12-07T00:54:32.589" v="10" actId="26606"/>
-          <ac:spMkLst>
-            <pc:docMk/>
-            <pc:sldMk cId="1232738983" sldId="262"/>
-            <ac:spMk id="35" creationId="{DBB05BAE-BBD3-4289-899F-A6851503C6B0}"/>
-          </ac:spMkLst>
-        </pc:spChg>
-        <pc:spChg chg="add">
-          <ac:chgData name="Pedro Citadin Coelho" userId="281214e4494bdff3" providerId="LiveId" clId="{2806A8FA-A3C9-4757-A3D0-714BA6F1F6BC}" dt="2022-12-07T00:54:32.589" v="10" actId="26606"/>
-          <ac:spMkLst>
-            <pc:docMk/>
-            <pc:sldMk cId="1232738983" sldId="262"/>
-            <ac:spMk id="36" creationId="{9874D11C-36F5-4BBE-A490-019A54E953B0}"/>
-          </ac:spMkLst>
-        </pc:spChg>
-        <pc:picChg chg="add del">
-          <ac:chgData name="Pedro Citadin Coelho" userId="281214e4494bdff3" providerId="LiveId" clId="{2806A8FA-A3C9-4757-A3D0-714BA6F1F6BC}" dt="2022-12-07T00:54:32.576" v="9" actId="26606"/>
-          <ac:picMkLst>
-            <pc:docMk/>
-            <pc:sldMk cId="1232738983" sldId="262"/>
-            <ac:picMk id="5" creationId="{35FEFC1A-0B75-8F2F-5EA1-8509731A5A2F}"/>
-          </ac:picMkLst>
-        </pc:picChg>
-        <pc:picChg chg="add">
-          <ac:chgData name="Pedro Citadin Coelho" userId="281214e4494bdff3" providerId="LiveId" clId="{2806A8FA-A3C9-4757-A3D0-714BA6F1F6BC}" dt="2022-12-07T00:54:32.589" v="10" actId="26606"/>
-          <ac:picMkLst>
-            <pc:docMk/>
-            <pc:sldMk cId="1232738983" sldId="262"/>
-            <ac:picMk id="27" creationId="{957824B5-91F1-3994-87A2-70205F4D1021}"/>
-          </ac:picMkLst>
-        </pc:picChg>
-        <pc:cxnChg chg="add del">
-          <ac:chgData name="Pedro Citadin Coelho" userId="281214e4494bdff3" providerId="LiveId" clId="{2806A8FA-A3C9-4757-A3D0-714BA6F1F6BC}" dt="2022-12-07T00:54:32.576" v="9" actId="26606"/>
-          <ac:cxnSpMkLst>
-            <pc:docMk/>
-            <pc:sldMk cId="1232738983" sldId="262"/>
-            <ac:cxnSpMk id="9" creationId="{64FA5DFF-7FE6-4855-84E6-DFA78EE978BD}"/>
-          </ac:cxnSpMkLst>
-        </pc:cxnChg>
-        <pc:cxnChg chg="add del">
-          <ac:chgData name="Pedro Citadin Coelho" userId="281214e4494bdff3" providerId="LiveId" clId="{2806A8FA-A3C9-4757-A3D0-714BA6F1F6BC}" dt="2022-12-07T00:54:32.576" v="9" actId="26606"/>
-          <ac:cxnSpMkLst>
-            <pc:docMk/>
-            <pc:sldMk cId="1232738983" sldId="262"/>
-            <ac:cxnSpMk id="11" creationId="{2AFD8CBA-54A3-4363-991B-B9C631BBFA74}"/>
-          </ac:cxnSpMkLst>
-        </pc:cxnChg>
-        <pc:cxnChg chg="add">
-          <ac:chgData name="Pedro Citadin Coelho" userId="281214e4494bdff3" providerId="LiveId" clId="{2806A8FA-A3C9-4757-A3D0-714BA6F1F6BC}" dt="2022-12-07T00:54:32.589" v="10" actId="26606"/>
-          <ac:cxnSpMkLst>
-            <pc:docMk/>
-            <pc:sldMk cId="1232738983" sldId="262"/>
-            <ac:cxnSpMk id="28" creationId="{64FA5DFF-7FE6-4855-84E6-DFA78EE978BD}"/>
-          </ac:cxnSpMkLst>
-        </pc:cxnChg>
-        <pc:cxnChg chg="add">
-          <ac:chgData name="Pedro Citadin Coelho" userId="281214e4494bdff3" providerId="LiveId" clId="{2806A8FA-A3C9-4757-A3D0-714BA6F1F6BC}" dt="2022-12-07T00:54:32.589" v="10" actId="26606"/>
-          <ac:cxnSpMkLst>
-            <pc:docMk/>
-            <pc:sldMk cId="1232738983" sldId="262"/>
-            <ac:cxnSpMk id="29" creationId="{2AFD8CBA-54A3-4363-991B-B9C631BBFA74}"/>
-          </ac:cxnSpMkLst>
-        </pc:cxnChg>
-      </pc:sldChg>
-      <pc:sldChg chg="addSp delSp mod">
-        <pc:chgData name="Pedro Citadin Coelho" userId="281214e4494bdff3" providerId="LiveId" clId="{2806A8FA-A3C9-4757-A3D0-714BA6F1F6BC}" dt="2022-12-07T00:55:10.123" v="11" actId="26606"/>
-        <pc:sldMkLst>
-          <pc:docMk/>
-          <pc:sldMk cId="1857318268" sldId="263"/>
-        </pc:sldMkLst>
-        <pc:spChg chg="del">
-          <ac:chgData name="Pedro Citadin Coelho" userId="281214e4494bdff3" providerId="LiveId" clId="{2806A8FA-A3C9-4757-A3D0-714BA6F1F6BC}" dt="2022-12-07T00:55:10.123" v="11" actId="26606"/>
-          <ac:spMkLst>
-            <pc:docMk/>
-            <pc:sldMk cId="1857318268" sldId="263"/>
-            <ac:spMk id="3" creationId="{EAB56979-EBF4-2DB5-AACC-E1430EBB60AD}"/>
-          </ac:spMkLst>
-        </pc:spChg>
-        <pc:graphicFrameChg chg="add">
-          <ac:chgData name="Pedro Citadin Coelho" userId="281214e4494bdff3" providerId="LiveId" clId="{2806A8FA-A3C9-4757-A3D0-714BA6F1F6BC}" dt="2022-12-07T00:55:10.123" v="11" actId="26606"/>
-          <ac:graphicFrameMkLst>
-            <pc:docMk/>
-            <pc:sldMk cId="1857318268" sldId="263"/>
-            <ac:graphicFrameMk id="5" creationId="{7FC80F7B-E18D-EEE1-81E5-B594C813D8FB}"/>
-          </ac:graphicFrameMkLst>
-        </pc:graphicFrameChg>
-      </pc:sldChg>
-      <pc:sldChg chg="addSp delSp modSp mod setBg">
-        <pc:chgData name="Pedro Citadin Coelho" userId="281214e4494bdff3" providerId="LiveId" clId="{2806A8FA-A3C9-4757-A3D0-714BA6F1F6BC}" dt="2022-12-07T00:55:25.352" v="12" actId="26606"/>
-        <pc:sldMkLst>
-          <pc:docMk/>
-          <pc:sldMk cId="2173997791" sldId="264"/>
-        </pc:sldMkLst>
-        <pc:spChg chg="mod">
-          <ac:chgData name="Pedro Citadin Coelho" userId="281214e4494bdff3" providerId="LiveId" clId="{2806A8FA-A3C9-4757-A3D0-714BA6F1F6BC}" dt="2022-12-07T00:55:25.352" v="12" actId="26606"/>
-          <ac:spMkLst>
-            <pc:docMk/>
-            <pc:sldMk cId="2173997791" sldId="264"/>
-            <ac:spMk id="2" creationId="{0F66EE42-0EDE-1E65-37C2-354A9D0425F4}"/>
-          </ac:spMkLst>
-        </pc:spChg>
-        <pc:spChg chg="del">
-          <ac:chgData name="Pedro Citadin Coelho" userId="281214e4494bdff3" providerId="LiveId" clId="{2806A8FA-A3C9-4757-A3D0-714BA6F1F6BC}" dt="2022-12-07T00:55:25.352" v="12" actId="26606"/>
-          <ac:spMkLst>
-            <pc:docMk/>
-            <pc:sldMk cId="2173997791" sldId="264"/>
-            <ac:spMk id="3" creationId="{ADC223FA-5FE4-CC36-457F-B8F96822E921}"/>
-          </ac:spMkLst>
-        </pc:spChg>
-        <pc:spChg chg="add">
-          <ac:chgData name="Pedro Citadin Coelho" userId="281214e4494bdff3" providerId="LiveId" clId="{2806A8FA-A3C9-4757-A3D0-714BA6F1F6BC}" dt="2022-12-07T00:55:25.352" v="12" actId="26606"/>
-          <ac:spMkLst>
-            <pc:docMk/>
-            <pc:sldMk cId="2173997791" sldId="264"/>
-            <ac:spMk id="9" creationId="{CB5AA8A5-25CC-4295-892F-367FCDAF2BF6}"/>
-          </ac:spMkLst>
-        </pc:spChg>
-        <pc:spChg chg="add">
-          <ac:chgData name="Pedro Citadin Coelho" userId="281214e4494bdff3" providerId="LiveId" clId="{2806A8FA-A3C9-4757-A3D0-714BA6F1F6BC}" dt="2022-12-07T00:55:25.352" v="12" actId="26606"/>
-          <ac:spMkLst>
-            <pc:docMk/>
-            <pc:sldMk cId="2173997791" sldId="264"/>
-            <ac:spMk id="22" creationId="{24C6BC13-FB1E-48CC-B421-3D06039728B4}"/>
-          </ac:spMkLst>
-        </pc:spChg>
-        <pc:grpChg chg="add">
-          <ac:chgData name="Pedro Citadin Coelho" userId="281214e4494bdff3" providerId="LiveId" clId="{2806A8FA-A3C9-4757-A3D0-714BA6F1F6BC}" dt="2022-12-07T00:55:25.352" v="12" actId="26606"/>
-          <ac:grpSpMkLst>
-            <pc:docMk/>
-            <pc:sldMk cId="2173997791" sldId="264"/>
-            <ac:grpSpMk id="11" creationId="{09DD65AA-8280-4962-92F3-DF1CB53349DB}"/>
-          </ac:grpSpMkLst>
-        </pc:grpChg>
-        <pc:graphicFrameChg chg="add">
-          <ac:chgData name="Pedro Citadin Coelho" userId="281214e4494bdff3" providerId="LiveId" clId="{2806A8FA-A3C9-4757-A3D0-714BA6F1F6BC}" dt="2022-12-07T00:55:25.352" v="12" actId="26606"/>
-          <ac:graphicFrameMkLst>
-            <pc:docMk/>
-            <pc:sldMk cId="2173997791" sldId="264"/>
-            <ac:graphicFrameMk id="5" creationId="{3583FCA0-3BB3-E5BF-0AE4-062D762AE113}"/>
-          </ac:graphicFrameMkLst>
-        </pc:graphicFrameChg>
-      </pc:sldChg>
-      <pc:sldChg chg="addSp delSp modSp mod setBg">
-        <pc:chgData name="Pedro Citadin Coelho" userId="281214e4494bdff3" providerId="LiveId" clId="{2806A8FA-A3C9-4757-A3D0-714BA6F1F6BC}" dt="2022-12-07T00:55:40.710" v="18" actId="26606"/>
-        <pc:sldMkLst>
-          <pc:docMk/>
-          <pc:sldMk cId="1791499422" sldId="265"/>
-        </pc:sldMkLst>
-        <pc:spChg chg="mod">
-          <ac:chgData name="Pedro Citadin Coelho" userId="281214e4494bdff3" providerId="LiveId" clId="{2806A8FA-A3C9-4757-A3D0-714BA6F1F6BC}" dt="2022-12-07T00:55:40.710" v="18" actId="26606"/>
-          <ac:spMkLst>
-            <pc:docMk/>
-            <pc:sldMk cId="1791499422" sldId="265"/>
-            <ac:spMk id="2" creationId="{28F458FF-94CA-EE5E-50DD-EAC6C79871DD}"/>
-          </ac:spMkLst>
-        </pc:spChg>
-        <pc:spChg chg="mod">
-          <ac:chgData name="Pedro Citadin Coelho" userId="281214e4494bdff3" providerId="LiveId" clId="{2806A8FA-A3C9-4757-A3D0-714BA6F1F6BC}" dt="2022-12-07T00:55:40.710" v="18" actId="26606"/>
-          <ac:spMkLst>
-            <pc:docMk/>
-            <pc:sldMk cId="1791499422" sldId="265"/>
-            <ac:spMk id="3" creationId="{81F895F9-CFAF-DF26-D6D7-7D3A4E9F41AF}"/>
-          </ac:spMkLst>
-        </pc:spChg>
-        <pc:spChg chg="add del">
-          <ac:chgData name="Pedro Citadin Coelho" userId="281214e4494bdff3" providerId="LiveId" clId="{2806A8FA-A3C9-4757-A3D0-714BA6F1F6BC}" dt="2022-12-07T00:55:40.141" v="15" actId="26606"/>
-          <ac:spMkLst>
-            <pc:docMk/>
-            <pc:sldMk cId="1791499422" sldId="265"/>
-            <ac:spMk id="13" creationId="{3F088236-D655-4F88-B238-E16762358025}"/>
-          </ac:spMkLst>
-        </pc:spChg>
-        <pc:spChg chg="add del">
-          <ac:chgData name="Pedro Citadin Coelho" userId="281214e4494bdff3" providerId="LiveId" clId="{2806A8FA-A3C9-4757-A3D0-714BA6F1F6BC}" dt="2022-12-07T00:55:40.141" v="15" actId="26606"/>
-          <ac:spMkLst>
-            <pc:docMk/>
-            <pc:sldMk cId="1791499422" sldId="265"/>
-            <ac:spMk id="15" creationId="{3DAC0C92-199E-475C-9390-119A9B027276}"/>
-          </ac:spMkLst>
-        </pc:spChg>
-        <pc:spChg chg="add del">
-          <ac:chgData name="Pedro Citadin Coelho" userId="281214e4494bdff3" providerId="LiveId" clId="{2806A8FA-A3C9-4757-A3D0-714BA6F1F6BC}" dt="2022-12-07T00:55:40.141" v="15" actId="26606"/>
-          <ac:spMkLst>
-            <pc:docMk/>
-            <pc:sldMk cId="1791499422" sldId="265"/>
-            <ac:spMk id="17" creationId="{C4CFB339-0ED8-4FE2-9EF1-6D1375B8499B}"/>
-          </ac:spMkLst>
-        </pc:spChg>
-        <pc:spChg chg="add del">
-          <ac:chgData name="Pedro Citadin Coelho" userId="281214e4494bdff3" providerId="LiveId" clId="{2806A8FA-A3C9-4757-A3D0-714BA6F1F6BC}" dt="2022-12-07T00:55:40.141" v="15" actId="26606"/>
-          <ac:spMkLst>
-            <pc:docMk/>
-            <pc:sldMk cId="1791499422" sldId="265"/>
-            <ac:spMk id="19" creationId="{31896C80-2069-4431-9C19-83B913734490}"/>
-          </ac:spMkLst>
-        </pc:spChg>
-        <pc:spChg chg="add del">
-          <ac:chgData name="Pedro Citadin Coelho" userId="281214e4494bdff3" providerId="LiveId" clId="{2806A8FA-A3C9-4757-A3D0-714BA6F1F6BC}" dt="2022-12-07T00:55:40.141" v="15" actId="26606"/>
-          <ac:spMkLst>
-            <pc:docMk/>
-            <pc:sldMk cId="1791499422" sldId="265"/>
-            <ac:spMk id="21" creationId="{BF120A21-0841-4823-B0C4-28AEBCEF9B78}"/>
-          </ac:spMkLst>
-        </pc:spChg>
-        <pc:spChg chg="add del">
-          <ac:chgData name="Pedro Citadin Coelho" userId="281214e4494bdff3" providerId="LiveId" clId="{2806A8FA-A3C9-4757-A3D0-714BA6F1F6BC}" dt="2022-12-07T00:55:40.141" v="15" actId="26606"/>
-          <ac:spMkLst>
-            <pc:docMk/>
-            <pc:sldMk cId="1791499422" sldId="265"/>
-            <ac:spMk id="23" creationId="{DBB05BAE-BBD3-4289-899F-A6851503C6B0}"/>
-          </ac:spMkLst>
-        </pc:spChg>
-        <pc:spChg chg="add del">
-          <ac:chgData name="Pedro Citadin Coelho" userId="281214e4494bdff3" providerId="LiveId" clId="{2806A8FA-A3C9-4757-A3D0-714BA6F1F6BC}" dt="2022-12-07T00:55:40.141" v="15" actId="26606"/>
-          <ac:spMkLst>
-            <pc:docMk/>
-            <pc:sldMk cId="1791499422" sldId="265"/>
-            <ac:spMk id="25" creationId="{9874D11C-36F5-4BBE-A490-019A54E953B0}"/>
-          </ac:spMkLst>
-        </pc:spChg>
-        <pc:spChg chg="add del">
-          <ac:chgData name="Pedro Citadin Coelho" userId="281214e4494bdff3" providerId="LiveId" clId="{2806A8FA-A3C9-4757-A3D0-714BA6F1F6BC}" dt="2022-12-07T00:55:40.699" v="17" actId="26606"/>
-          <ac:spMkLst>
-            <pc:docMk/>
-            <pc:sldMk cId="1791499422" sldId="265"/>
-            <ac:spMk id="30" creationId="{3F088236-D655-4F88-B238-E16762358025}"/>
-          </ac:spMkLst>
-        </pc:spChg>
-        <pc:spChg chg="add del">
-          <ac:chgData name="Pedro Citadin Coelho" userId="281214e4494bdff3" providerId="LiveId" clId="{2806A8FA-A3C9-4757-A3D0-714BA6F1F6BC}" dt="2022-12-07T00:55:40.699" v="17" actId="26606"/>
-          <ac:spMkLst>
-            <pc:docMk/>
-            <pc:sldMk cId="1791499422" sldId="265"/>
-            <ac:spMk id="31" creationId="{3DAC0C92-199E-475C-9390-119A9B027276}"/>
-          </ac:spMkLst>
-        </pc:spChg>
-        <pc:spChg chg="add del">
-          <ac:chgData name="Pedro Citadin Coelho" userId="281214e4494bdff3" providerId="LiveId" clId="{2806A8FA-A3C9-4757-A3D0-714BA6F1F6BC}" dt="2022-12-07T00:55:40.699" v="17" actId="26606"/>
-          <ac:spMkLst>
-            <pc:docMk/>
-            <pc:sldMk cId="1791499422" sldId="265"/>
-            <ac:spMk id="32" creationId="{C4CFB339-0ED8-4FE2-9EF1-6D1375B8499B}"/>
-          </ac:spMkLst>
-        </pc:spChg>
-        <pc:spChg chg="add del">
-          <ac:chgData name="Pedro Citadin Coelho" userId="281214e4494bdff3" providerId="LiveId" clId="{2806A8FA-A3C9-4757-A3D0-714BA6F1F6BC}" dt="2022-12-07T00:55:40.699" v="17" actId="26606"/>
-          <ac:spMkLst>
-            <pc:docMk/>
-            <pc:sldMk cId="1791499422" sldId="265"/>
-            <ac:spMk id="33" creationId="{31896C80-2069-4431-9C19-83B913734490}"/>
-          </ac:spMkLst>
-        </pc:spChg>
-        <pc:spChg chg="add del">
-          <ac:chgData name="Pedro Citadin Coelho" userId="281214e4494bdff3" providerId="LiveId" clId="{2806A8FA-A3C9-4757-A3D0-714BA6F1F6BC}" dt="2022-12-07T00:55:40.699" v="17" actId="26606"/>
-          <ac:spMkLst>
-            <pc:docMk/>
-            <pc:sldMk cId="1791499422" sldId="265"/>
-            <ac:spMk id="34" creationId="{BF120A21-0841-4823-B0C4-28AEBCEF9B78}"/>
-          </ac:spMkLst>
-        </pc:spChg>
-        <pc:spChg chg="add del">
-          <ac:chgData name="Pedro Citadin Coelho" userId="281214e4494bdff3" providerId="LiveId" clId="{2806A8FA-A3C9-4757-A3D0-714BA6F1F6BC}" dt="2022-12-07T00:55:40.699" v="17" actId="26606"/>
-          <ac:spMkLst>
-            <pc:docMk/>
-            <pc:sldMk cId="1791499422" sldId="265"/>
-            <ac:spMk id="35" creationId="{DBB05BAE-BBD3-4289-899F-A6851503C6B0}"/>
-          </ac:spMkLst>
-        </pc:spChg>
-        <pc:spChg chg="add del">
-          <ac:chgData name="Pedro Citadin Coelho" userId="281214e4494bdff3" providerId="LiveId" clId="{2806A8FA-A3C9-4757-A3D0-714BA6F1F6BC}" dt="2022-12-07T00:55:40.699" v="17" actId="26606"/>
-          <ac:spMkLst>
-            <pc:docMk/>
-            <pc:sldMk cId="1791499422" sldId="265"/>
-            <ac:spMk id="36" creationId="{9874D11C-36F5-4BBE-A490-019A54E953B0}"/>
-          </ac:spMkLst>
-        </pc:spChg>
-        <pc:spChg chg="add">
-          <ac:chgData name="Pedro Citadin Coelho" userId="281214e4494bdff3" providerId="LiveId" clId="{2806A8FA-A3C9-4757-A3D0-714BA6F1F6BC}" dt="2022-12-07T00:55:40.710" v="18" actId="26606"/>
-          <ac:spMkLst>
-            <pc:docMk/>
-            <pc:sldMk cId="1791499422" sldId="265"/>
-            <ac:spMk id="41" creationId="{3F088236-D655-4F88-B238-E16762358025}"/>
-          </ac:spMkLst>
-        </pc:spChg>
-        <pc:spChg chg="add">
-          <ac:chgData name="Pedro Citadin Coelho" userId="281214e4494bdff3" providerId="LiveId" clId="{2806A8FA-A3C9-4757-A3D0-714BA6F1F6BC}" dt="2022-12-07T00:55:40.710" v="18" actId="26606"/>
-          <ac:spMkLst>
-            <pc:docMk/>
-            <pc:sldMk cId="1791499422" sldId="265"/>
-            <ac:spMk id="42" creationId="{3DAC0C92-199E-475C-9390-119A9B027276}"/>
-          </ac:spMkLst>
-        </pc:spChg>
-        <pc:spChg chg="add">
-          <ac:chgData name="Pedro Citadin Coelho" userId="281214e4494bdff3" providerId="LiveId" clId="{2806A8FA-A3C9-4757-A3D0-714BA6F1F6BC}" dt="2022-12-07T00:55:40.710" v="18" actId="26606"/>
-          <ac:spMkLst>
-            <pc:docMk/>
-            <pc:sldMk cId="1791499422" sldId="265"/>
-            <ac:spMk id="43" creationId="{C4CFB339-0ED8-4FE2-9EF1-6D1375B8499B}"/>
-          </ac:spMkLst>
-        </pc:spChg>
-        <pc:spChg chg="add">
-          <ac:chgData name="Pedro Citadin Coelho" userId="281214e4494bdff3" providerId="LiveId" clId="{2806A8FA-A3C9-4757-A3D0-714BA6F1F6BC}" dt="2022-12-07T00:55:40.710" v="18" actId="26606"/>
-          <ac:spMkLst>
-            <pc:docMk/>
-            <pc:sldMk cId="1791499422" sldId="265"/>
-            <ac:spMk id="44" creationId="{31896C80-2069-4431-9C19-83B913734490}"/>
-          </ac:spMkLst>
-        </pc:spChg>
-        <pc:spChg chg="add">
-          <ac:chgData name="Pedro Citadin Coelho" userId="281214e4494bdff3" providerId="LiveId" clId="{2806A8FA-A3C9-4757-A3D0-714BA6F1F6BC}" dt="2022-12-07T00:55:40.710" v="18" actId="26606"/>
-          <ac:spMkLst>
-            <pc:docMk/>
-            <pc:sldMk cId="1791499422" sldId="265"/>
-            <ac:spMk id="45" creationId="{BF120A21-0841-4823-B0C4-28AEBCEF9B78}"/>
-          </ac:spMkLst>
-        </pc:spChg>
-        <pc:spChg chg="add">
-          <ac:chgData name="Pedro Citadin Coelho" userId="281214e4494bdff3" providerId="LiveId" clId="{2806A8FA-A3C9-4757-A3D0-714BA6F1F6BC}" dt="2022-12-07T00:55:40.710" v="18" actId="26606"/>
-          <ac:spMkLst>
-            <pc:docMk/>
-            <pc:sldMk cId="1791499422" sldId="265"/>
-            <ac:spMk id="46" creationId="{DBB05BAE-BBD3-4289-899F-A6851503C6B0}"/>
-          </ac:spMkLst>
-        </pc:spChg>
-        <pc:spChg chg="add">
-          <ac:chgData name="Pedro Citadin Coelho" userId="281214e4494bdff3" providerId="LiveId" clId="{2806A8FA-A3C9-4757-A3D0-714BA6F1F6BC}" dt="2022-12-07T00:55:40.710" v="18" actId="26606"/>
-          <ac:spMkLst>
-            <pc:docMk/>
-            <pc:sldMk cId="1791499422" sldId="265"/>
-            <ac:spMk id="47" creationId="{9874D11C-36F5-4BBE-A490-019A54E953B0}"/>
-          </ac:spMkLst>
-        </pc:spChg>
-        <pc:picChg chg="add del">
-          <ac:chgData name="Pedro Citadin Coelho" userId="281214e4494bdff3" providerId="LiveId" clId="{2806A8FA-A3C9-4757-A3D0-714BA6F1F6BC}" dt="2022-12-07T00:55:40.141" v="15" actId="26606"/>
-          <ac:picMkLst>
-            <pc:docMk/>
-            <pc:sldMk cId="1791499422" sldId="265"/>
-            <ac:picMk id="5" creationId="{BDB225F1-17B5-B7F4-10CB-5F80C4462BE9}"/>
-          </ac:picMkLst>
-        </pc:picChg>
-        <pc:picChg chg="add del">
-          <ac:chgData name="Pedro Citadin Coelho" userId="281214e4494bdff3" providerId="LiveId" clId="{2806A8FA-A3C9-4757-A3D0-714BA6F1F6BC}" dt="2022-12-07T00:55:40.699" v="17" actId="26606"/>
-          <ac:picMkLst>
-            <pc:docMk/>
-            <pc:sldMk cId="1791499422" sldId="265"/>
-            <ac:picMk id="27" creationId="{D5744F33-0CEA-DC7F-2013-4FD272465B67}"/>
-          </ac:picMkLst>
-        </pc:picChg>
-        <pc:picChg chg="add">
-          <ac:chgData name="Pedro Citadin Coelho" userId="281214e4494bdff3" providerId="LiveId" clId="{2806A8FA-A3C9-4757-A3D0-714BA6F1F6BC}" dt="2022-12-07T00:55:40.710" v="18" actId="26606"/>
-          <ac:picMkLst>
-            <pc:docMk/>
-            <pc:sldMk cId="1791499422" sldId="265"/>
-            <ac:picMk id="38" creationId="{ADF910B6-270B-01EB-C922-DA3561C1C9DF}"/>
-          </ac:picMkLst>
-        </pc:picChg>
-        <pc:cxnChg chg="add del">
-          <ac:chgData name="Pedro Citadin Coelho" userId="281214e4494bdff3" providerId="LiveId" clId="{2806A8FA-A3C9-4757-A3D0-714BA6F1F6BC}" dt="2022-12-07T00:55:40.141" v="15" actId="26606"/>
-          <ac:cxnSpMkLst>
-            <pc:docMk/>
-            <pc:sldMk cId="1791499422" sldId="265"/>
-            <ac:cxnSpMk id="9" creationId="{64FA5DFF-7FE6-4855-84E6-DFA78EE978BD}"/>
-          </ac:cxnSpMkLst>
-        </pc:cxnChg>
-        <pc:cxnChg chg="add del">
-          <ac:chgData name="Pedro Citadin Coelho" userId="281214e4494bdff3" providerId="LiveId" clId="{2806A8FA-A3C9-4757-A3D0-714BA6F1F6BC}" dt="2022-12-07T00:55:40.141" v="15" actId="26606"/>
-          <ac:cxnSpMkLst>
-            <pc:docMk/>
-            <pc:sldMk cId="1791499422" sldId="265"/>
-            <ac:cxnSpMk id="11" creationId="{2AFD8CBA-54A3-4363-991B-B9C631BBFA74}"/>
-          </ac:cxnSpMkLst>
-        </pc:cxnChg>
-        <pc:cxnChg chg="add del">
-          <ac:chgData name="Pedro Citadin Coelho" userId="281214e4494bdff3" providerId="LiveId" clId="{2806A8FA-A3C9-4757-A3D0-714BA6F1F6BC}" dt="2022-12-07T00:55:40.699" v="17" actId="26606"/>
-          <ac:cxnSpMkLst>
-            <pc:docMk/>
-            <pc:sldMk cId="1791499422" sldId="265"/>
-            <ac:cxnSpMk id="28" creationId="{64FA5DFF-7FE6-4855-84E6-DFA78EE978BD}"/>
-          </ac:cxnSpMkLst>
-        </pc:cxnChg>
-        <pc:cxnChg chg="add del">
-          <ac:chgData name="Pedro Citadin Coelho" userId="281214e4494bdff3" providerId="LiveId" clId="{2806A8FA-A3C9-4757-A3D0-714BA6F1F6BC}" dt="2022-12-07T00:55:40.699" v="17" actId="26606"/>
-          <ac:cxnSpMkLst>
-            <pc:docMk/>
-            <pc:sldMk cId="1791499422" sldId="265"/>
-            <ac:cxnSpMk id="29" creationId="{2AFD8CBA-54A3-4363-991B-B9C631BBFA74}"/>
-          </ac:cxnSpMkLst>
-        </pc:cxnChg>
-        <pc:cxnChg chg="add">
-          <ac:chgData name="Pedro Citadin Coelho" userId="281214e4494bdff3" providerId="LiveId" clId="{2806A8FA-A3C9-4757-A3D0-714BA6F1F6BC}" dt="2022-12-07T00:55:40.710" v="18" actId="26606"/>
-          <ac:cxnSpMkLst>
-            <pc:docMk/>
-            <pc:sldMk cId="1791499422" sldId="265"/>
-            <ac:cxnSpMk id="39" creationId="{64FA5DFF-7FE6-4855-84E6-DFA78EE978BD}"/>
-          </ac:cxnSpMkLst>
-        </pc:cxnChg>
-        <pc:cxnChg chg="add">
-          <ac:chgData name="Pedro Citadin Coelho" userId="281214e4494bdff3" providerId="LiveId" clId="{2806A8FA-A3C9-4757-A3D0-714BA6F1F6BC}" dt="2022-12-07T00:55:40.710" v="18" actId="26606"/>
-          <ac:cxnSpMkLst>
-            <pc:docMk/>
-            <pc:sldMk cId="1791499422" sldId="265"/>
-            <ac:cxnSpMk id="40" creationId="{2AFD8CBA-54A3-4363-991B-B9C631BBFA74}"/>
-          </ac:cxnSpMkLst>
-        </pc:cxnChg>
-      </pc:sldChg>
-      <pc:sldChg chg="del">
-        <pc:chgData name="Pedro Citadin Coelho" userId="281214e4494bdff3" providerId="LiveId" clId="{2806A8FA-A3C9-4757-A3D0-714BA6F1F6BC}" dt="2022-12-07T00:55:52.281" v="19" actId="2696"/>
-        <pc:sldMkLst>
-          <pc:docMk/>
-          <pc:sldMk cId="2297464304" sldId="266"/>
-        </pc:sldMkLst>
-      </pc:sldChg>
-      <pc:sldChg chg="del">
-        <pc:chgData name="Pedro Citadin Coelho" userId="281214e4494bdff3" providerId="LiveId" clId="{2806A8FA-A3C9-4757-A3D0-714BA6F1F6BC}" dt="2022-12-07T13:19:21.294" v="27" actId="2696"/>
-        <pc:sldMkLst>
-          <pc:docMk/>
-          <pc:sldMk cId="1953539162" sldId="268"/>
-        </pc:sldMkLst>
-      </pc:sldChg>
-      <pc:sldChg chg="addSp delSp modSp mod setBg">
-        <pc:chgData name="Pedro Citadin Coelho" userId="281214e4494bdff3" providerId="LiveId" clId="{2806A8FA-A3C9-4757-A3D0-714BA6F1F6BC}" dt="2022-12-07T00:55:29.058" v="13" actId="26606"/>
-        <pc:sldMkLst>
-          <pc:docMk/>
-          <pc:sldMk cId="3687528201" sldId="270"/>
-        </pc:sldMkLst>
-        <pc:spChg chg="mod">
-          <ac:chgData name="Pedro Citadin Coelho" userId="281214e4494bdff3" providerId="LiveId" clId="{2806A8FA-A3C9-4757-A3D0-714BA6F1F6BC}" dt="2022-12-07T00:55:29.058" v="13" actId="26606"/>
-          <ac:spMkLst>
-            <pc:docMk/>
-            <pc:sldMk cId="3687528201" sldId="270"/>
-            <ac:spMk id="2" creationId="{0F66EE42-0EDE-1E65-37C2-354A9D0425F4}"/>
-          </ac:spMkLst>
-        </pc:spChg>
-        <pc:spChg chg="del">
-          <ac:chgData name="Pedro Citadin Coelho" userId="281214e4494bdff3" providerId="LiveId" clId="{2806A8FA-A3C9-4757-A3D0-714BA6F1F6BC}" dt="2022-12-07T00:55:29.058" v="13" actId="26606"/>
-          <ac:spMkLst>
-            <pc:docMk/>
-            <pc:sldMk cId="3687528201" sldId="270"/>
-            <ac:spMk id="3" creationId="{ADC223FA-5FE4-CC36-457F-B8F96822E921}"/>
-          </ac:spMkLst>
-        </pc:spChg>
-        <pc:spChg chg="add">
-          <ac:chgData name="Pedro Citadin Coelho" userId="281214e4494bdff3" providerId="LiveId" clId="{2806A8FA-A3C9-4757-A3D0-714BA6F1F6BC}" dt="2022-12-07T00:55:29.058" v="13" actId="26606"/>
-          <ac:spMkLst>
-            <pc:docMk/>
-            <pc:sldMk cId="3687528201" sldId="270"/>
-            <ac:spMk id="9" creationId="{CB5AA8A5-25CC-4295-892F-367FCDAF2BF6}"/>
-          </ac:spMkLst>
-        </pc:spChg>
-        <pc:spChg chg="add">
-          <ac:chgData name="Pedro Citadin Coelho" userId="281214e4494bdff3" providerId="LiveId" clId="{2806A8FA-A3C9-4757-A3D0-714BA6F1F6BC}" dt="2022-12-07T00:55:29.058" v="13" actId="26606"/>
-          <ac:spMkLst>
-            <pc:docMk/>
-            <pc:sldMk cId="3687528201" sldId="270"/>
-            <ac:spMk id="22" creationId="{24C6BC13-FB1E-48CC-B421-3D06039728B4}"/>
-          </ac:spMkLst>
-        </pc:spChg>
-        <pc:grpChg chg="add">
-          <ac:chgData name="Pedro Citadin Coelho" userId="281214e4494bdff3" providerId="LiveId" clId="{2806A8FA-A3C9-4757-A3D0-714BA6F1F6BC}" dt="2022-12-07T00:55:29.058" v="13" actId="26606"/>
-          <ac:grpSpMkLst>
-            <pc:docMk/>
-            <pc:sldMk cId="3687528201" sldId="270"/>
-            <ac:grpSpMk id="11" creationId="{09DD65AA-8280-4962-92F3-DF1CB53349DB}"/>
-          </ac:grpSpMkLst>
-        </pc:grpChg>
-        <pc:graphicFrameChg chg="add">
-          <ac:chgData name="Pedro Citadin Coelho" userId="281214e4494bdff3" providerId="LiveId" clId="{2806A8FA-A3C9-4757-A3D0-714BA6F1F6BC}" dt="2022-12-07T00:55:29.058" v="13" actId="26606"/>
-          <ac:graphicFrameMkLst>
-            <pc:docMk/>
-            <pc:sldMk cId="3687528201" sldId="270"/>
-            <ac:graphicFrameMk id="5" creationId="{4D501E76-0862-73EC-5F94-822EBC30E21B}"/>
-          </ac:graphicFrameMkLst>
-        </pc:graphicFrameChg>
-      </pc:sldChg>
-      <pc:sldChg chg="del">
-        <pc:chgData name="Pedro Citadin Coelho" userId="281214e4494bdff3" providerId="LiveId" clId="{2806A8FA-A3C9-4757-A3D0-714BA6F1F6BC}" dt="2022-12-07T13:18:38.538" v="25" actId="2696"/>
-        <pc:sldMkLst>
-          <pc:docMk/>
-          <pc:sldMk cId="3216280625" sldId="271"/>
-        </pc:sldMkLst>
-      </pc:sldChg>
-      <pc:sldChg chg="delSp del mod">
-        <pc:chgData name="Pedro Citadin Coelho" userId="281214e4494bdff3" providerId="LiveId" clId="{2806A8FA-A3C9-4757-A3D0-714BA6F1F6BC}" dt="2022-12-07T13:18:40.980" v="26" actId="2696"/>
-        <pc:sldMkLst>
-          <pc:docMk/>
-          <pc:sldMk cId="1562647212" sldId="273"/>
-        </pc:sldMkLst>
-        <pc:spChg chg="del">
-          <ac:chgData name="Pedro Citadin Coelho" userId="281214e4494bdff3" providerId="LiveId" clId="{2806A8FA-A3C9-4757-A3D0-714BA6F1F6BC}" dt="2022-12-07T13:18:20.672" v="24" actId="478"/>
-          <ac:spMkLst>
-            <pc:docMk/>
-            <pc:sldMk cId="1562647212" sldId="273"/>
-            <ac:spMk id="4" creationId="{A8C9516E-CC37-389C-9EF3-2DB4FF391B81}"/>
-          </ac:spMkLst>
-        </pc:spChg>
-      </pc:sldChg>
-      <pc:sldChg chg="del">
-        <pc:chgData name="Pedro Citadin Coelho" userId="281214e4494bdff3" providerId="LiveId" clId="{2806A8FA-A3C9-4757-A3D0-714BA6F1F6BC}" dt="2022-12-07T00:55:54.353" v="20" actId="2696"/>
-        <pc:sldMkLst>
-          <pc:docMk/>
-          <pc:sldMk cId="1123447880" sldId="274"/>
-        </pc:sldMkLst>
-      </pc:sldChg>
-      <pc:sldChg chg="add ord">
-        <pc:chgData name="Pedro Citadin Coelho" userId="281214e4494bdff3" providerId="LiveId" clId="{2806A8FA-A3C9-4757-A3D0-714BA6F1F6BC}" dt="2022-12-07T00:56:02.297" v="23"/>
-        <pc:sldMkLst>
-          <pc:docMk/>
-          <pc:sldMk cId="2882131769" sldId="274"/>
-        </pc:sldMkLst>
-      </pc:sldChg>
-    </pc:docChg>
-  </pc:docChgLst>
-</pc:chgInfo>
 </file>
 
 <file path=ppt/diagrams/colors1.xml><?xml version="1.0" encoding="utf-8"?>
@@ -20635,7 +19755,7 @@
           <a:p>
             <a:r>
               <a:rPr lang="pt-BR" dirty="0"/>
-              <a:t>Efetuar restes na aplicação para verificar o desempenho.</a:t>
+              <a:t>Efetuar testes na aplicação para verificar o desempenho.</a:t>
             </a:r>
           </a:p>
         </p:txBody>
